--- a/Presentation/PPT/Voice Recognition Translator.pptx
+++ b/Presentation/PPT/Voice Recognition Translator.pptx
@@ -4653,14 +4653,14 @@
             <p:ph idx="1"/>
             <p:extLst>
               <p:ext uri="{D42A27DB-BD31-4B8C-83A1-F6EECF244321}">
-                <p14:modId xmlns:p14="http://schemas.microsoft.com/office/powerpoint/2010/main" val="455796998"/>
+                <p14:modId xmlns:p14="http://schemas.microsoft.com/office/powerpoint/2010/main" val="2465615158"/>
               </p:ext>
             </p:extLst>
           </p:nvPr>
         </p:nvGraphicFramePr>
         <p:xfrm>
-          <a:off x="2197894" y="984917"/>
-          <a:ext cx="7796212" cy="2108200"/>
+          <a:off x="2197894" y="1097651"/>
+          <a:ext cx="7796212" cy="1950720"/>
         </p:xfrm>
         <a:graphic>
           <a:graphicData uri="http://schemas.openxmlformats.org/drawingml/2006/table">
@@ -4692,14 +4692,14 @@
                     <a:p>
                       <a:pPr algn="ctr"/>
                       <a:r>
-                        <a:rPr lang="en-PH" dirty="0"/>
+                        <a:rPr lang="en-PH" sz="2000" dirty="0"/>
                         <a:t>PAIN</a:t>
                       </a:r>
                       <a:r>
-                        <a:rPr lang="en-PH" baseline="0" dirty="0"/>
+                        <a:rPr lang="en-PH" sz="2000" baseline="0" dirty="0"/>
                         <a:t> POINTS</a:t>
                       </a:r>
-                      <a:endParaRPr lang="en-PH" dirty="0"/>
+                      <a:endParaRPr lang="en-PH" sz="2000" dirty="0"/>
                     </a:p>
                   </a:txBody>
                   <a:tcPr anchor="ctr"/>
@@ -4711,7 +4711,7 @@
                     <a:p>
                       <a:pPr algn="ctr"/>
                       <a:r>
-                        <a:rPr lang="en-PH" dirty="0"/>
+                        <a:rPr lang="en-PH" sz="2000" dirty="0"/>
                         <a:t>FEATURES</a:t>
                       </a:r>
                     </a:p>
@@ -4730,29 +4730,29 @@
                     <a:bodyPr/>
                     <a:lstStyle/>
                     <a:p>
-                      <a:pPr marL="285750" indent="-285750">
+                      <a:pPr marL="285750" indent="-285750" algn="just">
                         <a:buFont typeface="Arial" panose="020B0604020202020204" pitchFamily="34" charset="0"/>
                         <a:buChar char="•"/>
                       </a:pPr>
                       <a:r>
-                        <a:rPr lang="en-PH" dirty="0"/>
+                        <a:rPr lang="en-PH" sz="1600" dirty="0"/>
                         <a:t>Language</a:t>
                       </a:r>
                       <a:r>
-                        <a:rPr lang="en-PH" baseline="0" dirty="0"/>
+                        <a:rPr lang="en-PH" sz="1600" baseline="0" dirty="0"/>
                         <a:t> barriers</a:t>
                       </a:r>
                     </a:p>
                     <a:p>
-                      <a:pPr marL="285750" indent="-285750">
+                      <a:pPr marL="285750" indent="-285750" algn="just">
                         <a:buFont typeface="Arial" panose="020B0604020202020204" pitchFamily="34" charset="0"/>
                         <a:buChar char="•"/>
                       </a:pPr>
                       <a:r>
-                        <a:rPr lang="en-PH" baseline="0" dirty="0"/>
+                        <a:rPr lang="en-PH" sz="1600" baseline="0" dirty="0"/>
                         <a:t>Misunderstanding</a:t>
                       </a:r>
-                      <a:endParaRPr lang="en-PH" dirty="0"/>
+                      <a:endParaRPr lang="en-PH" sz="1600" dirty="0"/>
                     </a:p>
                   </a:txBody>
                   <a:tcPr anchor="ctr"/>
@@ -4762,67 +4762,67 @@
                     <a:bodyPr/>
                     <a:lstStyle/>
                     <a:p>
-                      <a:pPr marL="285750" indent="-285750">
+                      <a:pPr marL="285750" indent="-285750" algn="just">
                         <a:buFont typeface="Arial" panose="020B0604020202020204" pitchFamily="34" charset="0"/>
                         <a:buChar char="•"/>
                       </a:pPr>
                       <a:r>
-                        <a:rPr lang="en-PH" dirty="0"/>
+                        <a:rPr lang="en-PH" sz="1600" dirty="0"/>
                         <a:t>Philippine dialect translator</a:t>
                       </a:r>
                     </a:p>
                     <a:p>
-                      <a:pPr marL="285750" indent="-285750">
+                      <a:pPr marL="285750" indent="-285750" algn="just">
                         <a:buFont typeface="Arial" panose="020B0604020202020204" pitchFamily="34" charset="0"/>
                         <a:buChar char="•"/>
                       </a:pPr>
                       <a:r>
-                        <a:rPr lang="en-PH" dirty="0"/>
+                        <a:rPr lang="en-PH" sz="1600" dirty="0"/>
                         <a:t>Vocabulary</a:t>
                       </a:r>
                       <a:r>
-                        <a:rPr lang="en-PH" baseline="0" dirty="0"/>
+                        <a:rPr lang="en-PH" sz="1600" baseline="0" dirty="0"/>
                         <a:t> library</a:t>
                       </a:r>
-                      <a:endParaRPr lang="en-PH" dirty="0"/>
+                      <a:endParaRPr lang="en-PH" sz="1600" dirty="0"/>
                     </a:p>
                     <a:p>
-                      <a:pPr marL="285750" indent="-285750">
+                      <a:pPr marL="285750" indent="-285750" algn="just">
                         <a:buFont typeface="Arial" panose="020B0604020202020204" pitchFamily="34" charset="0"/>
                         <a:buChar char="•"/>
                       </a:pPr>
                       <a:r>
-                        <a:rPr lang="en-PH" i="0" dirty="0"/>
+                        <a:rPr lang="en-PH" sz="1600" i="0" dirty="0"/>
                         <a:t>Voice activation</a:t>
                       </a:r>
                     </a:p>
                     <a:p>
-                      <a:pPr marL="285750" indent="-285750">
+                      <a:pPr marL="285750" indent="-285750" algn="just">
                         <a:buFont typeface="Arial" panose="020B0604020202020204" pitchFamily="34" charset="0"/>
                         <a:buChar char="•"/>
                       </a:pPr>
                       <a:r>
-                        <a:rPr lang="en-PH" dirty="0"/>
+                        <a:rPr lang="en-PH" sz="1600" dirty="0"/>
                         <a:t>Voice dictation</a:t>
                       </a:r>
                     </a:p>
                     <a:p>
-                      <a:pPr marL="285750" indent="-285750">
+                      <a:pPr marL="285750" indent="-285750" algn="just">
                         <a:buFont typeface="Arial" panose="020B0604020202020204" pitchFamily="34" charset="0"/>
                         <a:buChar char="•"/>
                       </a:pPr>
                       <a:r>
-                        <a:rPr lang="en-PH" dirty="0"/>
+                        <a:rPr lang="en-PH" sz="1600" dirty="0"/>
                         <a:t>Text-to-Speech</a:t>
                       </a:r>
                     </a:p>
                     <a:p>
-                      <a:pPr marL="285750" indent="-285750">
+                      <a:pPr marL="285750" indent="-285750" algn="just">
                         <a:buFont typeface="Arial" panose="020B0604020202020204" pitchFamily="34" charset="0"/>
                         <a:buChar char="•"/>
                       </a:pPr>
                       <a:r>
-                        <a:rPr lang="en-PH" dirty="0"/>
+                        <a:rPr lang="en-PH" sz="1600" dirty="0"/>
                         <a:t>Delegated correction</a:t>
                       </a:r>
                     </a:p>
@@ -4848,14 +4848,14 @@
           <p:nvPr>
             <p:extLst>
               <p:ext uri="{D42A27DB-BD31-4B8C-83A1-F6EECF244321}">
-                <p14:modId xmlns:p14="http://schemas.microsoft.com/office/powerpoint/2010/main" val="1353451041"/>
+                <p14:modId xmlns:p14="http://schemas.microsoft.com/office/powerpoint/2010/main" val="3354959460"/>
               </p:ext>
             </p:extLst>
           </p:nvPr>
         </p:nvGraphicFramePr>
         <p:xfrm>
-          <a:off x="2197894" y="3084732"/>
-          <a:ext cx="7796212" cy="3205480"/>
+          <a:off x="2197894" y="3048371"/>
+          <a:ext cx="7796212" cy="2926080"/>
         </p:xfrm>
         <a:graphic>
           <a:graphicData uri="http://schemas.openxmlformats.org/drawingml/2006/table">
@@ -4887,10 +4887,10 @@
                     <a:p>
                       <a:pPr algn="ctr"/>
                       <a:r>
-                        <a:rPr lang="en-PH" baseline="0" dirty="0"/>
+                        <a:rPr lang="en-PH" sz="2000" baseline="0" dirty="0"/>
                         <a:t>PLEASURE POINTS</a:t>
                       </a:r>
-                      <a:endParaRPr lang="en-PH" dirty="0"/>
+                      <a:endParaRPr lang="en-PH" sz="2000" dirty="0"/>
                     </a:p>
                   </a:txBody>
                   <a:tcPr anchor="ctr"/>
@@ -4902,7 +4902,7 @@
                     <a:p>
                       <a:pPr algn="ctr"/>
                       <a:r>
-                        <a:rPr lang="en-PH" dirty="0"/>
+                        <a:rPr lang="en-PH" sz="2000" dirty="0"/>
                         <a:t>CAPABILITIES</a:t>
                       </a:r>
                     </a:p>
@@ -4921,29 +4921,29 @@
                     <a:bodyPr/>
                     <a:lstStyle/>
                     <a:p>
-                      <a:pPr marL="285750" indent="-285750">
+                      <a:pPr marL="285750" indent="-285750" algn="just">
                         <a:buFont typeface="Arial" panose="020B0604020202020204" pitchFamily="34" charset="0"/>
                         <a:buChar char="•"/>
                       </a:pPr>
                       <a:r>
-                        <a:rPr lang="en-PH" dirty="0"/>
+                        <a:rPr lang="en-PH" sz="1600" dirty="0"/>
                         <a:t>No</a:t>
                       </a:r>
                       <a:r>
-                        <a:rPr lang="en-PH" baseline="0" dirty="0"/>
+                        <a:rPr lang="en-PH" sz="1600" baseline="0" dirty="0"/>
                         <a:t> more language barriers</a:t>
                       </a:r>
                     </a:p>
                     <a:p>
-                      <a:pPr marL="285750" indent="-285750">
+                      <a:pPr marL="285750" indent="-285750" algn="just">
                         <a:buFont typeface="Arial" panose="020B0604020202020204" pitchFamily="34" charset="0"/>
                         <a:buChar char="•"/>
                       </a:pPr>
                       <a:r>
-                        <a:rPr lang="en-PH" baseline="0" dirty="0"/>
+                        <a:rPr lang="en-PH" sz="1600" baseline="0" dirty="0"/>
                         <a:t>Improves communication</a:t>
                       </a:r>
-                      <a:endParaRPr lang="en-PH" dirty="0"/>
+                      <a:endParaRPr lang="en-PH" sz="1600" dirty="0"/>
                     </a:p>
                   </a:txBody>
                   <a:tcPr anchor="ctr"/>
@@ -4953,72 +4953,72 @@
                     <a:bodyPr/>
                     <a:lstStyle/>
                     <a:p>
-                      <a:pPr marL="285750" indent="-285750">
+                      <a:pPr marL="285750" indent="-285750" algn="just">
                         <a:buFont typeface="Arial" panose="020B0604020202020204" pitchFamily="34" charset="0"/>
                         <a:buChar char="•"/>
                       </a:pPr>
                       <a:r>
-                        <a:rPr lang="en-PH" dirty="0"/>
+                        <a:rPr lang="en-PH" sz="1600" dirty="0"/>
                         <a:t>Translate</a:t>
                       </a:r>
                       <a:r>
-                        <a:rPr lang="en-PH" baseline="0" dirty="0"/>
+                        <a:rPr lang="en-PH" sz="1600" baseline="0" dirty="0"/>
                         <a:t> Philippine dialects into English or Filipino language</a:t>
                       </a:r>
-                      <a:endParaRPr lang="en-PH" dirty="0"/>
+                      <a:endParaRPr lang="en-PH" sz="1600" dirty="0"/>
                     </a:p>
                     <a:p>
-                      <a:pPr marL="285750" indent="-285750">
+                      <a:pPr marL="285750" indent="-285750" algn="just">
                         <a:buFont typeface="Arial" panose="020B0604020202020204" pitchFamily="34" charset="0"/>
                         <a:buChar char="•"/>
                       </a:pPr>
                       <a:r>
-                        <a:rPr lang="en-PH" dirty="0"/>
+                        <a:rPr lang="en-PH" sz="1600" dirty="0"/>
                         <a:t>Improve vocabulary</a:t>
                       </a:r>
                       <a:r>
-                        <a:rPr lang="en-PH" baseline="0" dirty="0"/>
+                        <a:rPr lang="en-PH" sz="1600" baseline="0" dirty="0"/>
                         <a:t> and check pronunciation</a:t>
                       </a:r>
                     </a:p>
                     <a:p>
-                      <a:pPr marL="285750" indent="-285750">
+                      <a:pPr marL="285750" indent="-285750" algn="just">
                         <a:buFont typeface="Arial" panose="020B0604020202020204" pitchFamily="34" charset="0"/>
                         <a:buChar char="•"/>
                       </a:pPr>
                       <a:r>
-                        <a:rPr lang="en-PH" baseline="0" dirty="0"/>
+                        <a:rPr lang="en-PH" sz="1600" baseline="0" dirty="0"/>
                         <a:t>Auto-responds to any set of phrases</a:t>
                       </a:r>
                     </a:p>
                     <a:p>
-                      <a:pPr marL="285750" indent="-285750">
+                      <a:pPr marL="285750" indent="-285750" algn="just">
                         <a:buFont typeface="Arial" panose="020B0604020202020204" pitchFamily="34" charset="0"/>
                         <a:buChar char="•"/>
                       </a:pPr>
                       <a:r>
-                        <a:rPr lang="en-PH" baseline="0" dirty="0"/>
+                        <a:rPr lang="en-PH" sz="1600" baseline="0" dirty="0"/>
                         <a:t>Direct voice delivery as a better experience</a:t>
                       </a:r>
                     </a:p>
                     <a:p>
-                      <a:pPr marL="285750" indent="-285750">
+                      <a:pPr marL="285750" indent="-285750" algn="just">
                         <a:buFont typeface="Arial" panose="020B0604020202020204" pitchFamily="34" charset="0"/>
                         <a:buChar char="•"/>
                       </a:pPr>
                       <a:r>
-                        <a:rPr lang="en-PH" baseline="0" dirty="0"/>
+                        <a:rPr lang="en-PH" sz="1600" baseline="0" dirty="0"/>
                         <a:t>The app will pronounce the word</a:t>
                       </a:r>
                     </a:p>
                     <a:p>
-                      <a:pPr marL="285750" indent="-285750">
+                      <a:pPr marL="285750" indent="-285750" algn="just">
                         <a:buFont typeface="Arial" panose="020B0604020202020204" pitchFamily="34" charset="0"/>
                         <a:buChar char="•"/>
                       </a:pPr>
                       <a:r>
-                        <a:rPr lang="en-PH" baseline="0" dirty="0"/>
-                        <a:t>Ask someone for correction</a:t>
+                        <a:rPr lang="en-PH" sz="1600" baseline="0" dirty="0"/>
+                        <a:t>Ask someone, in the forum, for correction</a:t>
                       </a:r>
                     </a:p>
                   </a:txBody>
